--- a/KRICT hackathon_Hari.pptx
+++ b/KRICT hackathon_Hari.pptx
@@ -1240,6 +1240,163 @@
             <ac:spMk id="2" creationId="{F9398C62-175A-3AE9-CCF4-D8D479B42460}"/>
           </ac:spMkLst>
         </pc:spChg>
+      </pc:sldChg>
+    </pc:docChg>
+  </pc:docChgLst>
+  <pc:docChgLst>
+    <pc:chgData name="#LOW KAI YUAN ANDRE#" userId="S::kaiyuana001@e.ntu.edu.sg::21debd0c-cf2b-4622-b54a-918816f10f4f" providerId="AD" clId="Web-{7B5B29AC-B858-93EF-FC13-5BDB776370BD}"/>
+    <pc:docChg chg="modSld">
+      <pc:chgData name="#LOW KAI YUAN ANDRE#" userId="S::kaiyuana001@e.ntu.edu.sg::21debd0c-cf2b-4622-b54a-918816f10f4f" providerId="AD" clId="Web-{7B5B29AC-B858-93EF-FC13-5BDB776370BD}" dt="2024-08-12T08:57:46.836" v="144"/>
+      <pc:docMkLst>
+        <pc:docMk/>
+      </pc:docMkLst>
+      <pc:sldChg chg="modSp">
+        <pc:chgData name="#LOW KAI YUAN ANDRE#" userId="S::kaiyuana001@e.ntu.edu.sg::21debd0c-cf2b-4622-b54a-918816f10f4f" providerId="AD" clId="Web-{7B5B29AC-B858-93EF-FC13-5BDB776370BD}" dt="2024-08-12T08:51:03.023" v="0" actId="20577"/>
+        <pc:sldMkLst>
+          <pc:docMk/>
+          <pc:sldMk cId="3044996226" sldId="265"/>
+        </pc:sldMkLst>
+        <pc:spChg chg="mod">
+          <ac:chgData name="#LOW KAI YUAN ANDRE#" userId="S::kaiyuana001@e.ntu.edu.sg::21debd0c-cf2b-4622-b54a-918816f10f4f" providerId="AD" clId="Web-{7B5B29AC-B858-93EF-FC13-5BDB776370BD}" dt="2024-08-12T08:51:03.023" v="0" actId="20577"/>
+          <ac:spMkLst>
+            <pc:docMk/>
+            <pc:sldMk cId="3044996226" sldId="265"/>
+            <ac:spMk id="5" creationId="{DCB89E92-E67B-6B46-6EF8-19C3A84C7365}"/>
+          </ac:spMkLst>
+        </pc:spChg>
+      </pc:sldChg>
+      <pc:sldChg chg="delSp modSp">
+        <pc:chgData name="#LOW KAI YUAN ANDRE#" userId="S::kaiyuana001@e.ntu.edu.sg::21debd0c-cf2b-4622-b54a-918816f10f4f" providerId="AD" clId="Web-{7B5B29AC-B858-93EF-FC13-5BDB776370BD}" dt="2024-08-12T08:57:17.163" v="141" actId="20577"/>
+        <pc:sldMkLst>
+          <pc:docMk/>
+          <pc:sldMk cId="1715466356" sldId="288"/>
+        </pc:sldMkLst>
+        <pc:spChg chg="mod">
+          <ac:chgData name="#LOW KAI YUAN ANDRE#" userId="S::kaiyuana001@e.ntu.edu.sg::21debd0c-cf2b-4622-b54a-918816f10f4f" providerId="AD" clId="Web-{7B5B29AC-B858-93EF-FC13-5BDB776370BD}" dt="2024-08-12T08:57:17.163" v="141" actId="20577"/>
+          <ac:spMkLst>
+            <pc:docMk/>
+            <pc:sldMk cId="1715466356" sldId="288"/>
+            <ac:spMk id="7" creationId="{6C2B1AC2-477C-4E55-712E-1BC6A5DB7925}"/>
+          </ac:spMkLst>
+        </pc:spChg>
+        <pc:picChg chg="del">
+          <ac:chgData name="#LOW KAI YUAN ANDRE#" userId="S::kaiyuana001@e.ntu.edu.sg::21debd0c-cf2b-4622-b54a-918816f10f4f" providerId="AD" clId="Web-{7B5B29AC-B858-93EF-FC13-5BDB776370BD}" dt="2024-08-12T08:52:21.495" v="16"/>
+          <ac:picMkLst>
+            <pc:docMk/>
+            <pc:sldMk cId="1715466356" sldId="288"/>
+            <ac:picMk id="8" creationId="{66BAB1F5-0277-7C0D-290F-45E62DFE23E6}"/>
+          </ac:picMkLst>
+        </pc:picChg>
+      </pc:sldChg>
+      <pc:sldChg chg="modSp">
+        <pc:chgData name="#LOW KAI YUAN ANDRE#" userId="S::kaiyuana001@e.ntu.edu.sg::21debd0c-cf2b-4622-b54a-918816f10f4f" providerId="AD" clId="Web-{7B5B29AC-B858-93EF-FC13-5BDB776370BD}" dt="2024-08-12T08:51:16.976" v="12" actId="20577"/>
+        <pc:sldMkLst>
+          <pc:docMk/>
+          <pc:sldMk cId="1257108610" sldId="327"/>
+        </pc:sldMkLst>
+        <pc:spChg chg="mod">
+          <ac:chgData name="#LOW KAI YUAN ANDRE#" userId="S::kaiyuana001@e.ntu.edu.sg::21debd0c-cf2b-4622-b54a-918816f10f4f" providerId="AD" clId="Web-{7B5B29AC-B858-93EF-FC13-5BDB776370BD}" dt="2024-08-12T08:51:16.976" v="12" actId="20577"/>
+          <ac:spMkLst>
+            <pc:docMk/>
+            <pc:sldMk cId="1257108610" sldId="327"/>
+            <ac:spMk id="3" creationId="{0678247A-D8E0-599A-B0E1-60D7BDE3B0CE}"/>
+          </ac:spMkLst>
+        </pc:spChg>
+      </pc:sldChg>
+      <pc:sldChg chg="addSp delSp modSp addAnim delAnim modAnim">
+        <pc:chgData name="#LOW KAI YUAN ANDRE#" userId="S::kaiyuana001@e.ntu.edu.sg::21debd0c-cf2b-4622-b54a-918816f10f4f" providerId="AD" clId="Web-{7B5B29AC-B858-93EF-FC13-5BDB776370BD}" dt="2024-08-12T08:57:46.836" v="144"/>
+        <pc:sldMkLst>
+          <pc:docMk/>
+          <pc:sldMk cId="2361061170" sldId="331"/>
+        </pc:sldMkLst>
+        <pc:spChg chg="del">
+          <ac:chgData name="#LOW KAI YUAN ANDRE#" userId="S::kaiyuana001@e.ntu.edu.sg::21debd0c-cf2b-4622-b54a-918816f10f4f" providerId="AD" clId="Web-{7B5B29AC-B858-93EF-FC13-5BDB776370BD}" dt="2024-08-12T08:57:46.836" v="144"/>
+          <ac:spMkLst>
+            <pc:docMk/>
+            <pc:sldMk cId="2361061170" sldId="331"/>
+            <ac:spMk id="3" creationId="{BE7D6E56-374C-DD46-B5C6-361678AF7DD3}"/>
+          </ac:spMkLst>
+        </pc:spChg>
+        <pc:spChg chg="del mod">
+          <ac:chgData name="#LOW KAI YUAN ANDRE#" userId="S::kaiyuana001@e.ntu.edu.sg::21debd0c-cf2b-4622-b54a-918816f10f4f" providerId="AD" clId="Web-{7B5B29AC-B858-93EF-FC13-5BDB776370BD}" dt="2024-08-12T08:57:45.570" v="143"/>
+          <ac:spMkLst>
+            <pc:docMk/>
+            <pc:sldMk cId="2361061170" sldId="331"/>
+            <ac:spMk id="5" creationId="{202C94C2-C020-F2AA-3B73-F4E5DE4E0570}"/>
+          </ac:spMkLst>
+        </pc:spChg>
+        <pc:spChg chg="add mod">
+          <ac:chgData name="#LOW KAI YUAN ANDRE#" userId="S::kaiyuana001@e.ntu.edu.sg::21debd0c-cf2b-4622-b54a-918816f10f4f" providerId="AD" clId="Web-{7B5B29AC-B858-93EF-FC13-5BDB776370BD}" dt="2024-08-12T08:56:54.615" v="134" actId="1076"/>
+          <ac:spMkLst>
+            <pc:docMk/>
+            <pc:sldMk cId="2361061170" sldId="331"/>
+            <ac:spMk id="11" creationId="{0DE111F9-21AD-0426-A7B8-AEB85CBC4563}"/>
+          </ac:spMkLst>
+        </pc:spChg>
+        <pc:spChg chg="add del mod">
+          <ac:chgData name="#LOW KAI YUAN ANDRE#" userId="S::kaiyuana001@e.ntu.edu.sg::21debd0c-cf2b-4622-b54a-918816f10f4f" providerId="AD" clId="Web-{7B5B29AC-B858-93EF-FC13-5BDB776370BD}" dt="2024-08-12T08:53:09.481" v="32"/>
+          <ac:spMkLst>
+            <pc:docMk/>
+            <pc:sldMk cId="2361061170" sldId="331"/>
+            <ac:spMk id="13" creationId="{B8F981A9-152E-674C-4434-AD76B545090D}"/>
+          </ac:spMkLst>
+        </pc:spChg>
+        <pc:spChg chg="add mod">
+          <ac:chgData name="#LOW KAI YUAN ANDRE#" userId="S::kaiyuana001@e.ntu.edu.sg::21debd0c-cf2b-4622-b54a-918816f10f4f" providerId="AD" clId="Web-{7B5B29AC-B858-93EF-FC13-5BDB776370BD}" dt="2024-08-12T08:54:11.187" v="90"/>
+          <ac:spMkLst>
+            <pc:docMk/>
+            <pc:sldMk cId="2361061170" sldId="331"/>
+            <ac:spMk id="15" creationId="{FF8461F1-81FB-F675-E9EC-0B9B32E11C23}"/>
+          </ac:spMkLst>
+        </pc:spChg>
+        <pc:spChg chg="add mod">
+          <ac:chgData name="#LOW KAI YUAN ANDRE#" userId="S::kaiyuana001@e.ntu.edu.sg::21debd0c-cf2b-4622-b54a-918816f10f4f" providerId="AD" clId="Web-{7B5B29AC-B858-93EF-FC13-5BDB776370BD}" dt="2024-08-12T08:56:43.521" v="131" actId="1076"/>
+          <ac:spMkLst>
+            <pc:docMk/>
+            <pc:sldMk cId="2361061170" sldId="331"/>
+            <ac:spMk id="16" creationId="{3080AD65-5E8A-D176-FB51-988680A99F01}"/>
+          </ac:spMkLst>
+        </pc:spChg>
+        <pc:spChg chg="add mod">
+          <ac:chgData name="#LOW KAI YUAN ANDRE#" userId="S::kaiyuana001@e.ntu.edu.sg::21debd0c-cf2b-4622-b54a-918816f10f4f" providerId="AD" clId="Web-{7B5B29AC-B858-93EF-FC13-5BDB776370BD}" dt="2024-08-12T08:56:48.068" v="133" actId="1076"/>
+          <ac:spMkLst>
+            <pc:docMk/>
+            <pc:sldMk cId="2361061170" sldId="331"/>
+            <ac:spMk id="17" creationId="{5789A256-99C1-12D7-6B9D-981A2E13568B}"/>
+          </ac:spMkLst>
+        </pc:spChg>
+        <pc:spChg chg="add del mod">
+          <ac:chgData name="#LOW KAI YUAN ANDRE#" userId="S::kaiyuana001@e.ntu.edu.sg::21debd0c-cf2b-4622-b54a-918816f10f4f" providerId="AD" clId="Web-{7B5B29AC-B858-93EF-FC13-5BDB776370BD}" dt="2024-08-12T08:56:00.066" v="108"/>
+          <ac:spMkLst>
+            <pc:docMk/>
+            <pc:sldMk cId="2361061170" sldId="331"/>
+            <ac:spMk id="20" creationId="{C1F80D13-9144-A58B-E9AA-0B091BA9C941}"/>
+          </ac:spMkLst>
+        </pc:spChg>
+        <pc:picChg chg="del mod">
+          <ac:chgData name="#LOW KAI YUAN ANDRE#" userId="S::kaiyuana001@e.ntu.edu.sg::21debd0c-cf2b-4622-b54a-918816f10f4f" providerId="AD" clId="Web-{7B5B29AC-B858-93EF-FC13-5BDB776370BD}" dt="2024-08-12T08:51:50.384" v="14"/>
+          <ac:picMkLst>
+            <pc:docMk/>
+            <pc:sldMk cId="2361061170" sldId="331"/>
+            <ac:picMk id="6" creationId="{A7ADC66D-8010-9D4E-A686-47067F4C6562}"/>
+          </ac:picMkLst>
+        </pc:picChg>
+        <pc:picChg chg="add mod">
+          <ac:chgData name="#LOW KAI YUAN ANDRE#" userId="S::kaiyuana001@e.ntu.edu.sg::21debd0c-cf2b-4622-b54a-918816f10f4f" providerId="AD" clId="Web-{7B5B29AC-B858-93EF-FC13-5BDB776370BD}" dt="2024-08-12T08:53:12.090" v="35" actId="1076"/>
+          <ac:picMkLst>
+            <pc:docMk/>
+            <pc:sldMk cId="2361061170" sldId="331"/>
+            <ac:picMk id="9" creationId="{33AB4E72-D07B-B1CC-22B8-A4CD445F2C90}"/>
+          </ac:picMkLst>
+        </pc:picChg>
+        <pc:cxnChg chg="add mod">
+          <ac:chgData name="#LOW KAI YUAN ANDRE#" userId="S::kaiyuana001@e.ntu.edu.sg::21debd0c-cf2b-4622-b54a-918816f10f4f" providerId="AD" clId="Web-{7B5B29AC-B858-93EF-FC13-5BDB776370BD}" dt="2024-08-12T08:55:49.847" v="105"/>
+          <ac:cxnSpMkLst>
+            <pc:docMk/>
+            <pc:sldMk cId="2361061170" sldId="331"/>
+            <ac:cxnSpMk id="18" creationId="{3496338C-1C26-1A67-9540-532BC4F25829}"/>
+          </ac:cxnSpMkLst>
+        </pc:cxnChg>
       </pc:sldChg>
     </pc:docChg>
   </pc:docChgLst>
@@ -1941,163 +2098,6 @@
     </pc:docChg>
   </pc:docChgLst>
   <pc:docChgLst>
-    <pc:chgData name="#LOW KAI YUAN ANDRE#" userId="S::kaiyuana001@e.ntu.edu.sg::21debd0c-cf2b-4622-b54a-918816f10f4f" providerId="AD" clId="Web-{7B5B29AC-B858-93EF-FC13-5BDB776370BD}"/>
-    <pc:docChg chg="modSld">
-      <pc:chgData name="#LOW KAI YUAN ANDRE#" userId="S::kaiyuana001@e.ntu.edu.sg::21debd0c-cf2b-4622-b54a-918816f10f4f" providerId="AD" clId="Web-{7B5B29AC-B858-93EF-FC13-5BDB776370BD}" dt="2024-08-12T08:57:46.836" v="144"/>
-      <pc:docMkLst>
-        <pc:docMk/>
-      </pc:docMkLst>
-      <pc:sldChg chg="modSp">
-        <pc:chgData name="#LOW KAI YUAN ANDRE#" userId="S::kaiyuana001@e.ntu.edu.sg::21debd0c-cf2b-4622-b54a-918816f10f4f" providerId="AD" clId="Web-{7B5B29AC-B858-93EF-FC13-5BDB776370BD}" dt="2024-08-12T08:51:03.023" v="0" actId="20577"/>
-        <pc:sldMkLst>
-          <pc:docMk/>
-          <pc:sldMk cId="3044996226" sldId="265"/>
-        </pc:sldMkLst>
-        <pc:spChg chg="mod">
-          <ac:chgData name="#LOW KAI YUAN ANDRE#" userId="S::kaiyuana001@e.ntu.edu.sg::21debd0c-cf2b-4622-b54a-918816f10f4f" providerId="AD" clId="Web-{7B5B29AC-B858-93EF-FC13-5BDB776370BD}" dt="2024-08-12T08:51:03.023" v="0" actId="20577"/>
-          <ac:spMkLst>
-            <pc:docMk/>
-            <pc:sldMk cId="3044996226" sldId="265"/>
-            <ac:spMk id="5" creationId="{DCB89E92-E67B-6B46-6EF8-19C3A84C7365}"/>
-          </ac:spMkLst>
-        </pc:spChg>
-      </pc:sldChg>
-      <pc:sldChg chg="delSp modSp">
-        <pc:chgData name="#LOW KAI YUAN ANDRE#" userId="S::kaiyuana001@e.ntu.edu.sg::21debd0c-cf2b-4622-b54a-918816f10f4f" providerId="AD" clId="Web-{7B5B29AC-B858-93EF-FC13-5BDB776370BD}" dt="2024-08-12T08:57:17.163" v="141" actId="20577"/>
-        <pc:sldMkLst>
-          <pc:docMk/>
-          <pc:sldMk cId="1715466356" sldId="288"/>
-        </pc:sldMkLst>
-        <pc:spChg chg="mod">
-          <ac:chgData name="#LOW KAI YUAN ANDRE#" userId="S::kaiyuana001@e.ntu.edu.sg::21debd0c-cf2b-4622-b54a-918816f10f4f" providerId="AD" clId="Web-{7B5B29AC-B858-93EF-FC13-5BDB776370BD}" dt="2024-08-12T08:57:17.163" v="141" actId="20577"/>
-          <ac:spMkLst>
-            <pc:docMk/>
-            <pc:sldMk cId="1715466356" sldId="288"/>
-            <ac:spMk id="7" creationId="{6C2B1AC2-477C-4E55-712E-1BC6A5DB7925}"/>
-          </ac:spMkLst>
-        </pc:spChg>
-        <pc:picChg chg="del">
-          <ac:chgData name="#LOW KAI YUAN ANDRE#" userId="S::kaiyuana001@e.ntu.edu.sg::21debd0c-cf2b-4622-b54a-918816f10f4f" providerId="AD" clId="Web-{7B5B29AC-B858-93EF-FC13-5BDB776370BD}" dt="2024-08-12T08:52:21.495" v="16"/>
-          <ac:picMkLst>
-            <pc:docMk/>
-            <pc:sldMk cId="1715466356" sldId="288"/>
-            <ac:picMk id="8" creationId="{66BAB1F5-0277-7C0D-290F-45E62DFE23E6}"/>
-          </ac:picMkLst>
-        </pc:picChg>
-      </pc:sldChg>
-      <pc:sldChg chg="modSp">
-        <pc:chgData name="#LOW KAI YUAN ANDRE#" userId="S::kaiyuana001@e.ntu.edu.sg::21debd0c-cf2b-4622-b54a-918816f10f4f" providerId="AD" clId="Web-{7B5B29AC-B858-93EF-FC13-5BDB776370BD}" dt="2024-08-12T08:51:16.976" v="12" actId="20577"/>
-        <pc:sldMkLst>
-          <pc:docMk/>
-          <pc:sldMk cId="1257108610" sldId="327"/>
-        </pc:sldMkLst>
-        <pc:spChg chg="mod">
-          <ac:chgData name="#LOW KAI YUAN ANDRE#" userId="S::kaiyuana001@e.ntu.edu.sg::21debd0c-cf2b-4622-b54a-918816f10f4f" providerId="AD" clId="Web-{7B5B29AC-B858-93EF-FC13-5BDB776370BD}" dt="2024-08-12T08:51:16.976" v="12" actId="20577"/>
-          <ac:spMkLst>
-            <pc:docMk/>
-            <pc:sldMk cId="1257108610" sldId="327"/>
-            <ac:spMk id="3" creationId="{0678247A-D8E0-599A-B0E1-60D7BDE3B0CE}"/>
-          </ac:spMkLst>
-        </pc:spChg>
-      </pc:sldChg>
-      <pc:sldChg chg="addSp delSp modSp addAnim delAnim modAnim">
-        <pc:chgData name="#LOW KAI YUAN ANDRE#" userId="S::kaiyuana001@e.ntu.edu.sg::21debd0c-cf2b-4622-b54a-918816f10f4f" providerId="AD" clId="Web-{7B5B29AC-B858-93EF-FC13-5BDB776370BD}" dt="2024-08-12T08:57:46.836" v="144"/>
-        <pc:sldMkLst>
-          <pc:docMk/>
-          <pc:sldMk cId="2361061170" sldId="331"/>
-        </pc:sldMkLst>
-        <pc:spChg chg="del">
-          <ac:chgData name="#LOW KAI YUAN ANDRE#" userId="S::kaiyuana001@e.ntu.edu.sg::21debd0c-cf2b-4622-b54a-918816f10f4f" providerId="AD" clId="Web-{7B5B29AC-B858-93EF-FC13-5BDB776370BD}" dt="2024-08-12T08:57:46.836" v="144"/>
-          <ac:spMkLst>
-            <pc:docMk/>
-            <pc:sldMk cId="2361061170" sldId="331"/>
-            <ac:spMk id="3" creationId="{BE7D6E56-374C-DD46-B5C6-361678AF7DD3}"/>
-          </ac:spMkLst>
-        </pc:spChg>
-        <pc:spChg chg="del mod">
-          <ac:chgData name="#LOW KAI YUAN ANDRE#" userId="S::kaiyuana001@e.ntu.edu.sg::21debd0c-cf2b-4622-b54a-918816f10f4f" providerId="AD" clId="Web-{7B5B29AC-B858-93EF-FC13-5BDB776370BD}" dt="2024-08-12T08:57:45.570" v="143"/>
-          <ac:spMkLst>
-            <pc:docMk/>
-            <pc:sldMk cId="2361061170" sldId="331"/>
-            <ac:spMk id="5" creationId="{202C94C2-C020-F2AA-3B73-F4E5DE4E0570}"/>
-          </ac:spMkLst>
-        </pc:spChg>
-        <pc:spChg chg="add mod">
-          <ac:chgData name="#LOW KAI YUAN ANDRE#" userId="S::kaiyuana001@e.ntu.edu.sg::21debd0c-cf2b-4622-b54a-918816f10f4f" providerId="AD" clId="Web-{7B5B29AC-B858-93EF-FC13-5BDB776370BD}" dt="2024-08-12T08:56:54.615" v="134" actId="1076"/>
-          <ac:spMkLst>
-            <pc:docMk/>
-            <pc:sldMk cId="2361061170" sldId="331"/>
-            <ac:spMk id="11" creationId="{0DE111F9-21AD-0426-A7B8-AEB85CBC4563}"/>
-          </ac:spMkLst>
-        </pc:spChg>
-        <pc:spChg chg="add del mod">
-          <ac:chgData name="#LOW KAI YUAN ANDRE#" userId="S::kaiyuana001@e.ntu.edu.sg::21debd0c-cf2b-4622-b54a-918816f10f4f" providerId="AD" clId="Web-{7B5B29AC-B858-93EF-FC13-5BDB776370BD}" dt="2024-08-12T08:53:09.481" v="32"/>
-          <ac:spMkLst>
-            <pc:docMk/>
-            <pc:sldMk cId="2361061170" sldId="331"/>
-            <ac:spMk id="13" creationId="{B8F981A9-152E-674C-4434-AD76B545090D}"/>
-          </ac:spMkLst>
-        </pc:spChg>
-        <pc:spChg chg="add mod">
-          <ac:chgData name="#LOW KAI YUAN ANDRE#" userId="S::kaiyuana001@e.ntu.edu.sg::21debd0c-cf2b-4622-b54a-918816f10f4f" providerId="AD" clId="Web-{7B5B29AC-B858-93EF-FC13-5BDB776370BD}" dt="2024-08-12T08:54:11.187" v="90"/>
-          <ac:spMkLst>
-            <pc:docMk/>
-            <pc:sldMk cId="2361061170" sldId="331"/>
-            <ac:spMk id="15" creationId="{FF8461F1-81FB-F675-E9EC-0B9B32E11C23}"/>
-          </ac:spMkLst>
-        </pc:spChg>
-        <pc:spChg chg="add mod">
-          <ac:chgData name="#LOW KAI YUAN ANDRE#" userId="S::kaiyuana001@e.ntu.edu.sg::21debd0c-cf2b-4622-b54a-918816f10f4f" providerId="AD" clId="Web-{7B5B29AC-B858-93EF-FC13-5BDB776370BD}" dt="2024-08-12T08:56:43.521" v="131" actId="1076"/>
-          <ac:spMkLst>
-            <pc:docMk/>
-            <pc:sldMk cId="2361061170" sldId="331"/>
-            <ac:spMk id="16" creationId="{3080AD65-5E8A-D176-FB51-988680A99F01}"/>
-          </ac:spMkLst>
-        </pc:spChg>
-        <pc:spChg chg="add mod">
-          <ac:chgData name="#LOW KAI YUAN ANDRE#" userId="S::kaiyuana001@e.ntu.edu.sg::21debd0c-cf2b-4622-b54a-918816f10f4f" providerId="AD" clId="Web-{7B5B29AC-B858-93EF-FC13-5BDB776370BD}" dt="2024-08-12T08:56:48.068" v="133" actId="1076"/>
-          <ac:spMkLst>
-            <pc:docMk/>
-            <pc:sldMk cId="2361061170" sldId="331"/>
-            <ac:spMk id="17" creationId="{5789A256-99C1-12D7-6B9D-981A2E13568B}"/>
-          </ac:spMkLst>
-        </pc:spChg>
-        <pc:spChg chg="add del mod">
-          <ac:chgData name="#LOW KAI YUAN ANDRE#" userId="S::kaiyuana001@e.ntu.edu.sg::21debd0c-cf2b-4622-b54a-918816f10f4f" providerId="AD" clId="Web-{7B5B29AC-B858-93EF-FC13-5BDB776370BD}" dt="2024-08-12T08:56:00.066" v="108"/>
-          <ac:spMkLst>
-            <pc:docMk/>
-            <pc:sldMk cId="2361061170" sldId="331"/>
-            <ac:spMk id="20" creationId="{C1F80D13-9144-A58B-E9AA-0B091BA9C941}"/>
-          </ac:spMkLst>
-        </pc:spChg>
-        <pc:picChg chg="del mod">
-          <ac:chgData name="#LOW KAI YUAN ANDRE#" userId="S::kaiyuana001@e.ntu.edu.sg::21debd0c-cf2b-4622-b54a-918816f10f4f" providerId="AD" clId="Web-{7B5B29AC-B858-93EF-FC13-5BDB776370BD}" dt="2024-08-12T08:51:50.384" v="14"/>
-          <ac:picMkLst>
-            <pc:docMk/>
-            <pc:sldMk cId="2361061170" sldId="331"/>
-            <ac:picMk id="6" creationId="{A7ADC66D-8010-9D4E-A686-47067F4C6562}"/>
-          </ac:picMkLst>
-        </pc:picChg>
-        <pc:picChg chg="add mod">
-          <ac:chgData name="#LOW KAI YUAN ANDRE#" userId="S::kaiyuana001@e.ntu.edu.sg::21debd0c-cf2b-4622-b54a-918816f10f4f" providerId="AD" clId="Web-{7B5B29AC-B858-93EF-FC13-5BDB776370BD}" dt="2024-08-12T08:53:12.090" v="35" actId="1076"/>
-          <ac:picMkLst>
-            <pc:docMk/>
-            <pc:sldMk cId="2361061170" sldId="331"/>
-            <ac:picMk id="9" creationId="{33AB4E72-D07B-B1CC-22B8-A4CD445F2C90}"/>
-          </ac:picMkLst>
-        </pc:picChg>
-        <pc:cxnChg chg="add mod">
-          <ac:chgData name="#LOW KAI YUAN ANDRE#" userId="S::kaiyuana001@e.ntu.edu.sg::21debd0c-cf2b-4622-b54a-918816f10f4f" providerId="AD" clId="Web-{7B5B29AC-B858-93EF-FC13-5BDB776370BD}" dt="2024-08-12T08:55:49.847" v="105"/>
-          <ac:cxnSpMkLst>
-            <pc:docMk/>
-            <pc:sldMk cId="2361061170" sldId="331"/>
-            <ac:cxnSpMk id="18" creationId="{3496338C-1C26-1A67-9540-532BC4F25829}"/>
-          </ac:cxnSpMkLst>
-        </pc:cxnChg>
-      </pc:sldChg>
-    </pc:docChg>
-  </pc:docChgLst>
-  <pc:docChgLst>
     <pc:chgData name="#LOW KAI YUAN ANDRE#" userId="21debd0c-cf2b-4622-b54a-918816f10f4f" providerId="ADAL" clId="{6C06BE37-C225-4432-AE03-A28508C642D6}"/>
     <pc:docChg chg="undo redo custSel addSld delSld modSld sldOrd modMainMaster modShowInfo">
       <pc:chgData name="#LOW KAI YUAN ANDRE#" userId="21debd0c-cf2b-4622-b54a-918816f10f4f" providerId="ADAL" clId="{6C06BE37-C225-4432-AE03-A28508C642D6}" dt="2024-10-29T03:12:16.581" v="19177" actId="1076"/>
@@ -13792,7 +13792,7 @@
           <a:p>
             <a:fld id="{BE9BD4B0-1CFE-4849-8A7D-6AF58E719CCE}" type="datetimeFigureOut">
               <a:rPr lang="zh-CN" altLang="en-US" smtClean="0"/>
-              <a:t>2024/11/7</a:t>
+              <a:t>2024/11/8</a:t>
             </a:fld>
             <a:endParaRPr lang="zh-CN" altLang="en-US"/>
           </a:p>
@@ -22084,8 +22084,8 @@
           </a:fontRef>
         </p:style>
       </p:cxnSp>
-      <mc:AlternateContent xmlns:mc="http://schemas.openxmlformats.org/markup-compatibility/2006">
-        <mc:Choice xmlns:a14="http://schemas.microsoft.com/office/drawing/2010/main" Requires="a14">
+      <mc:AlternateContent xmlns:mc="http://schemas.openxmlformats.org/markup-compatibility/2006" xmlns:a14="http://schemas.microsoft.com/office/drawing/2010/main">
+        <mc:Choice Requires="a14">
           <p:sp>
             <p:nvSpPr>
               <p:cNvPr id="12" name="TextBox 11">
@@ -22119,7 +22119,6 @@
               </a:bodyPr>
               <a:lstStyle/>
               <a:p>
-                <a:pPr/>
                 <a14:m>
                   <m:oMath xmlns:m="http://schemas.openxmlformats.org/officeDocument/2006/math">
                     <m:r>
@@ -22197,7 +22196,7 @@
             </p:txBody>
           </p:sp>
         </mc:Choice>
-        <mc:Fallback>
+        <mc:Fallback xmlns="">
           <p:sp>
             <p:nvSpPr>
               <p:cNvPr id="12" name="TextBox 11">
@@ -22291,8 +22290,8 @@
           </a:p>
         </p:txBody>
       </p:sp>
-      <mc:AlternateContent xmlns:mc="http://schemas.openxmlformats.org/markup-compatibility/2006">
-        <mc:Choice xmlns:a14="http://schemas.microsoft.com/office/drawing/2010/main" Requires="a14">
+      <mc:AlternateContent xmlns:mc="http://schemas.openxmlformats.org/markup-compatibility/2006" xmlns:a14="http://schemas.microsoft.com/office/drawing/2010/main">
+        <mc:Choice Requires="a14">
           <p:sp>
             <p:nvSpPr>
               <p:cNvPr id="15" name="TextBox 14">
@@ -22354,7 +22353,7 @@
             </p:txBody>
           </p:sp>
         </mc:Choice>
-        <mc:Fallback>
+        <mc:Fallback xmlns="">
           <p:sp>
             <p:nvSpPr>
               <p:cNvPr id="15" name="TextBox 14">
@@ -22404,8 +22403,8 @@
           </p:sp>
         </mc:Fallback>
       </mc:AlternateContent>
-      <mc:AlternateContent xmlns:mc="http://schemas.openxmlformats.org/markup-compatibility/2006">
-        <mc:Choice xmlns:a14="http://schemas.microsoft.com/office/drawing/2010/main" Requires="a14">
+      <mc:AlternateContent xmlns:mc="http://schemas.openxmlformats.org/markup-compatibility/2006" xmlns:a14="http://schemas.microsoft.com/office/drawing/2010/main">
+        <mc:Choice Requires="a14">
           <p:sp>
             <p:nvSpPr>
               <p:cNvPr id="16" name="TextBox 15">
@@ -22467,7 +22466,7 @@
             </p:txBody>
           </p:sp>
         </mc:Choice>
-        <mc:Fallback>
+        <mc:Fallback xmlns="">
           <p:sp>
             <p:nvSpPr>
               <p:cNvPr id="16" name="TextBox 15">
@@ -22558,8 +22557,8 @@
           </a:p>
         </p:txBody>
       </p:sp>
-      <mc:AlternateContent xmlns:mc="http://schemas.openxmlformats.org/markup-compatibility/2006">
-        <mc:Choice xmlns:a14="http://schemas.microsoft.com/office/drawing/2010/main" Requires="a14">
+      <mc:AlternateContent xmlns:mc="http://schemas.openxmlformats.org/markup-compatibility/2006" xmlns:a14="http://schemas.microsoft.com/office/drawing/2010/main">
+        <mc:Choice Requires="a14">
           <p:sp>
             <p:nvSpPr>
               <p:cNvPr id="18" name="TextBox 17">
@@ -22615,7 +22614,7 @@
             </p:txBody>
           </p:sp>
         </mc:Choice>
-        <mc:Fallback>
+        <mc:Fallback xmlns="">
           <p:sp>
             <p:nvSpPr>
               <p:cNvPr id="18" name="TextBox 17">
@@ -22665,8 +22664,8 @@
           </p:sp>
         </mc:Fallback>
       </mc:AlternateContent>
-      <mc:AlternateContent xmlns:mc="http://schemas.openxmlformats.org/markup-compatibility/2006">
-        <mc:Choice xmlns:a14="http://schemas.microsoft.com/office/drawing/2010/main" Requires="a14">
+      <mc:AlternateContent xmlns:mc="http://schemas.openxmlformats.org/markup-compatibility/2006" xmlns:a14="http://schemas.microsoft.com/office/drawing/2010/main">
+        <mc:Choice Requires="a14">
           <p:sp>
             <p:nvSpPr>
               <p:cNvPr id="20" name="TextBox 19">
@@ -22721,7 +22720,7 @@
             </p:txBody>
           </p:sp>
         </mc:Choice>
-        <mc:Fallback>
+        <mc:Fallback xmlns="">
           <p:sp>
             <p:nvSpPr>
               <p:cNvPr id="20" name="TextBox 19">
@@ -22771,8 +22770,8 @@
           </p:sp>
         </mc:Fallback>
       </mc:AlternateContent>
-      <mc:AlternateContent xmlns:mc="http://schemas.openxmlformats.org/markup-compatibility/2006">
-        <mc:Choice xmlns:a14="http://schemas.microsoft.com/office/drawing/2010/main" Requires="a14">
+      <mc:AlternateContent xmlns:mc="http://schemas.openxmlformats.org/markup-compatibility/2006" xmlns:a14="http://schemas.microsoft.com/office/drawing/2010/main">
+        <mc:Choice Requires="a14">
           <p:sp>
             <p:nvSpPr>
               <p:cNvPr id="22" name="TextBox 21">
@@ -22827,7 +22826,7 @@
             </p:txBody>
           </p:sp>
         </mc:Choice>
-        <mc:Fallback>
+        <mc:Fallback xmlns="">
           <p:sp>
             <p:nvSpPr>
               <p:cNvPr id="22" name="TextBox 21">
@@ -23277,8 +23276,8 @@
           </a:fontRef>
         </p:style>
       </p:cxnSp>
-      <mc:AlternateContent xmlns:mc="http://schemas.openxmlformats.org/markup-compatibility/2006">
-        <mc:Choice xmlns:a14="http://schemas.microsoft.com/office/drawing/2010/main" Requires="a14">
+      <mc:AlternateContent xmlns:mc="http://schemas.openxmlformats.org/markup-compatibility/2006" xmlns:a14="http://schemas.microsoft.com/office/drawing/2010/main">
+        <mc:Choice Requires="a14">
           <p:sp>
             <p:nvSpPr>
               <p:cNvPr id="34" name="TextBox 33">
@@ -23340,7 +23339,7 @@
             </p:txBody>
           </p:sp>
         </mc:Choice>
-        <mc:Fallback>
+        <mc:Fallback xmlns="">
           <p:sp>
             <p:nvSpPr>
               <p:cNvPr id="34" name="TextBox 33">
@@ -23390,8 +23389,8 @@
           </p:sp>
         </mc:Fallback>
       </mc:AlternateContent>
-      <mc:AlternateContent xmlns:mc="http://schemas.openxmlformats.org/markup-compatibility/2006">
-        <mc:Choice xmlns:a14="http://schemas.microsoft.com/office/drawing/2010/main" Requires="a14">
+      <mc:AlternateContent xmlns:mc="http://schemas.openxmlformats.org/markup-compatibility/2006" xmlns:a14="http://schemas.microsoft.com/office/drawing/2010/main">
+        <mc:Choice Requires="a14">
           <p:sp>
             <p:nvSpPr>
               <p:cNvPr id="36" name="TextBox 35">
@@ -23473,7 +23472,7 @@
             </p:txBody>
           </p:sp>
         </mc:Choice>
-        <mc:Fallback>
+        <mc:Fallback xmlns="">
           <p:sp>
             <p:nvSpPr>
               <p:cNvPr id="36" name="TextBox 35">
@@ -23610,8 +23609,8 @@
           </a:fontRef>
         </p:style>
       </p:cxnSp>
-      <mc:AlternateContent xmlns:mc="http://schemas.openxmlformats.org/markup-compatibility/2006">
-        <mc:Choice xmlns:a14="http://schemas.microsoft.com/office/drawing/2010/main" Requires="a14">
+      <mc:AlternateContent xmlns:mc="http://schemas.openxmlformats.org/markup-compatibility/2006" xmlns:a14="http://schemas.microsoft.com/office/drawing/2010/main">
+        <mc:Choice Requires="a14">
           <p:sp>
             <p:nvSpPr>
               <p:cNvPr id="50" name="TextBox 49">
@@ -23673,7 +23672,7 @@
             </p:txBody>
           </p:sp>
         </mc:Choice>
-        <mc:Fallback>
+        <mc:Fallback xmlns="">
           <p:sp>
             <p:nvSpPr>
               <p:cNvPr id="50" name="TextBox 49">
@@ -23723,8 +23722,8 @@
           </p:sp>
         </mc:Fallback>
       </mc:AlternateContent>
-      <mc:AlternateContent xmlns:mc="http://schemas.openxmlformats.org/markup-compatibility/2006">
-        <mc:Choice xmlns:a14="http://schemas.microsoft.com/office/drawing/2010/main" Requires="a14">
+      <mc:AlternateContent xmlns:mc="http://schemas.openxmlformats.org/markup-compatibility/2006" xmlns:a14="http://schemas.microsoft.com/office/drawing/2010/main">
+        <mc:Choice Requires="a14">
           <p:sp>
             <p:nvSpPr>
               <p:cNvPr id="51" name="TextBox 50">
@@ -23780,7 +23779,7 @@
             </p:txBody>
           </p:sp>
         </mc:Choice>
-        <mc:Fallback>
+        <mc:Fallback xmlns="">
           <p:sp>
             <p:nvSpPr>
               <p:cNvPr id="51" name="TextBox 50">
@@ -23830,8 +23829,8 @@
           </p:sp>
         </mc:Fallback>
       </mc:AlternateContent>
-      <mc:AlternateContent xmlns:mc="http://schemas.openxmlformats.org/markup-compatibility/2006">
-        <mc:Choice xmlns:a14="http://schemas.microsoft.com/office/drawing/2010/main" Requires="a14">
+      <mc:AlternateContent xmlns:mc="http://schemas.openxmlformats.org/markup-compatibility/2006" xmlns:a14="http://schemas.microsoft.com/office/drawing/2010/main">
+        <mc:Choice Requires="a14">
           <p:sp>
             <p:nvSpPr>
               <p:cNvPr id="52" name="TextBox 51">
@@ -23886,7 +23885,7 @@
             </p:txBody>
           </p:sp>
         </mc:Choice>
-        <mc:Fallback>
+        <mc:Fallback xmlns="">
           <p:sp>
             <p:nvSpPr>
               <p:cNvPr id="52" name="TextBox 51">
@@ -23936,8 +23935,8 @@
           </p:sp>
         </mc:Fallback>
       </mc:AlternateContent>
-      <mc:AlternateContent xmlns:mc="http://schemas.openxmlformats.org/markup-compatibility/2006">
-        <mc:Choice xmlns:a14="http://schemas.microsoft.com/office/drawing/2010/main" Requires="a14">
+      <mc:AlternateContent xmlns:mc="http://schemas.openxmlformats.org/markup-compatibility/2006" xmlns:a14="http://schemas.microsoft.com/office/drawing/2010/main">
+        <mc:Choice Requires="a14">
           <p:sp>
             <p:nvSpPr>
               <p:cNvPr id="53" name="TextBox 52">
@@ -23992,7 +23991,7 @@
             </p:txBody>
           </p:sp>
         </mc:Choice>
-        <mc:Fallback>
+        <mc:Fallback xmlns="">
           <p:sp>
             <p:nvSpPr>
               <p:cNvPr id="53" name="TextBox 52">
@@ -24353,8 +24352,8 @@
           </a:fontRef>
         </p:style>
       </p:cxnSp>
-      <mc:AlternateContent xmlns:mc="http://schemas.openxmlformats.org/markup-compatibility/2006">
-        <mc:Choice xmlns:a14="http://schemas.microsoft.com/office/drawing/2010/main" Requires="a14">
+      <mc:AlternateContent xmlns:mc="http://schemas.openxmlformats.org/markup-compatibility/2006" xmlns:a14="http://schemas.microsoft.com/office/drawing/2010/main">
+        <mc:Choice Requires="a14">
           <p:sp>
             <p:nvSpPr>
               <p:cNvPr id="63" name="TextBox 62">
@@ -24416,7 +24415,7 @@
             </p:txBody>
           </p:sp>
         </mc:Choice>
-        <mc:Fallback>
+        <mc:Fallback xmlns="">
           <p:sp>
             <p:nvSpPr>
               <p:cNvPr id="63" name="TextBox 62">
@@ -24466,8 +24465,8 @@
           </p:sp>
         </mc:Fallback>
       </mc:AlternateContent>
-      <mc:AlternateContent xmlns:mc="http://schemas.openxmlformats.org/markup-compatibility/2006">
-        <mc:Choice xmlns:a14="http://schemas.microsoft.com/office/drawing/2010/main" Requires="a14">
+      <mc:AlternateContent xmlns:mc="http://schemas.openxmlformats.org/markup-compatibility/2006" xmlns:a14="http://schemas.microsoft.com/office/drawing/2010/main">
+        <mc:Choice Requires="a14">
           <p:sp>
             <p:nvSpPr>
               <p:cNvPr id="64" name="TextBox 63">
@@ -24549,7 +24548,7 @@
             </p:txBody>
           </p:sp>
         </mc:Choice>
-        <mc:Fallback>
+        <mc:Fallback xmlns="">
           <p:sp>
             <p:nvSpPr>
               <p:cNvPr id="64" name="TextBox 63">
@@ -24644,8 +24643,8 @@
           </a:fontRef>
         </p:style>
       </p:cxnSp>
-      <mc:AlternateContent xmlns:mc="http://schemas.openxmlformats.org/markup-compatibility/2006">
-        <mc:Choice xmlns:a14="http://schemas.microsoft.com/office/drawing/2010/main" Requires="a14">
+      <mc:AlternateContent xmlns:mc="http://schemas.openxmlformats.org/markup-compatibility/2006" xmlns:a14="http://schemas.microsoft.com/office/drawing/2010/main">
+        <mc:Choice Requires="a14">
           <p:sp>
             <p:nvSpPr>
               <p:cNvPr id="67" name="TextBox 66">
@@ -24679,7 +24678,6 @@
               </a:bodyPr>
               <a:lstStyle/>
               <a:p>
-                <a:pPr/>
                 <a14:m>
                   <m:oMath xmlns:m="http://schemas.openxmlformats.org/officeDocument/2006/math">
                     <m:r>
@@ -24757,7 +24755,7 @@
             </p:txBody>
           </p:sp>
         </mc:Choice>
-        <mc:Fallback>
+        <mc:Fallback xmlns="">
           <p:sp>
             <p:nvSpPr>
               <p:cNvPr id="67" name="TextBox 66">
@@ -25565,8 +25563,8 @@
           </a:fontRef>
         </p:style>
       </p:cxnSp>
-      <mc:AlternateContent xmlns:mc="http://schemas.openxmlformats.org/markup-compatibility/2006">
-        <mc:Choice xmlns:a14="http://schemas.microsoft.com/office/drawing/2010/main" Requires="a14">
+      <mc:AlternateContent xmlns:mc="http://schemas.openxmlformats.org/markup-compatibility/2006" xmlns:a14="http://schemas.microsoft.com/office/drawing/2010/main">
+        <mc:Choice Requires="a14">
           <p:sp>
             <p:nvSpPr>
               <p:cNvPr id="115" name="TextBox 114">
@@ -25620,7 +25618,7 @@
             </p:txBody>
           </p:sp>
         </mc:Choice>
-        <mc:Fallback>
+        <mc:Fallback xmlns="">
           <p:sp>
             <p:nvSpPr>
               <p:cNvPr id="115" name="TextBox 114">
@@ -25668,8 +25666,8 @@
           </p:sp>
         </mc:Fallback>
       </mc:AlternateContent>
-      <mc:AlternateContent xmlns:mc="http://schemas.openxmlformats.org/markup-compatibility/2006">
-        <mc:Choice xmlns:a14="http://schemas.microsoft.com/office/drawing/2010/main" Requires="a14">
+      <mc:AlternateContent xmlns:mc="http://schemas.openxmlformats.org/markup-compatibility/2006" xmlns:a14="http://schemas.microsoft.com/office/drawing/2010/main">
+        <mc:Choice Requires="a14">
           <p:sp>
             <p:nvSpPr>
               <p:cNvPr id="116" name="TextBox 115">
@@ -25722,7 +25720,7 @@
             </p:txBody>
           </p:sp>
         </mc:Choice>
-        <mc:Fallback>
+        <mc:Fallback xmlns="">
           <p:sp>
             <p:nvSpPr>
               <p:cNvPr id="116" name="TextBox 115">
@@ -25770,8 +25768,8 @@
           </p:sp>
         </mc:Fallback>
       </mc:AlternateContent>
-      <mc:AlternateContent xmlns:mc="http://schemas.openxmlformats.org/markup-compatibility/2006">
-        <mc:Choice xmlns:a14="http://schemas.microsoft.com/office/drawing/2010/main" Requires="a14">
+      <mc:AlternateContent xmlns:mc="http://schemas.openxmlformats.org/markup-compatibility/2006" xmlns:a14="http://schemas.microsoft.com/office/drawing/2010/main">
+        <mc:Choice Requires="a14">
           <p:sp>
             <p:nvSpPr>
               <p:cNvPr id="117" name="TextBox 116">
@@ -25824,7 +25822,7 @@
             </p:txBody>
           </p:sp>
         </mc:Choice>
-        <mc:Fallback>
+        <mc:Fallback xmlns="">
           <p:sp>
             <p:nvSpPr>
               <p:cNvPr id="117" name="TextBox 116">
@@ -26025,7 +26023,7 @@
               <p:nvPr>
                 <p:extLst>
                   <p:ext uri="{D42A27DB-BD31-4B8C-83A1-F6EECF244321}">
-                    <p14:modId xmlns:p14="http://schemas.microsoft.com/office/powerpoint/2010/main" val="804444905"/>
+                    <p14:modId xmlns:p14="http://schemas.microsoft.com/office/powerpoint/2010/main" val="678521919"/>
                   </p:ext>
                 </p:extLst>
               </p:nvPr>
@@ -26185,7 +26183,7 @@
                               <a:ea typeface="+mn-ea"/>
                               <a:cs typeface="Times New Roman" panose="02020603050405020304" pitchFamily="18" charset="0"/>
                             </a:rPr>
-                            <a:t>-1.81/-1.15</a:t>
+                            <a:t>0.86/0.25</a:t>
                           </a:r>
                           <a:r>
                             <a:rPr lang="en-US" sz="1800" dirty="0">
@@ -26243,7 +26241,7 @@
                               <a:ea typeface="+mn-ea"/>
                               <a:cs typeface="Times New Roman" panose="02020603050405020304" pitchFamily="18" charset="0"/>
                             </a:rPr>
-                            <a:t>-0.35/-0.13</a:t>
+                            <a:t>0.93/0.53</a:t>
                           </a:r>
                           <a:r>
                             <a:rPr lang="en-US" sz="1800" dirty="0">
@@ -26354,7 +26352,7 @@
                               <a:ea typeface="+mn-ea"/>
                               <a:cs typeface="Times New Roman" panose="02020603050405020304" pitchFamily="18" charset="0"/>
                             </a:rPr>
-                            <a:t>-13.09/-3302.4</a:t>
+                            <a:t>-6.34/0.49</a:t>
                           </a:r>
                           <a:r>
                             <a:rPr lang="en-US" sz="1800" dirty="0">
@@ -26412,7 +26410,7 @@
                               <a:ea typeface="+mn-ea"/>
                               <a:cs typeface="Times New Roman" panose="02020603050405020304" pitchFamily="18" charset="0"/>
                             </a:rPr>
-                            <a:t>0.01/0.56</a:t>
+                            <a:t>0.96/0.72</a:t>
                           </a:r>
                           <a:r>
                             <a:rPr lang="en-US" sz="1800" dirty="0">
@@ -26487,7 +26485,7 @@
                               <a:ea typeface="+mn-ea"/>
                               <a:cs typeface="Times New Roman" panose="02020603050405020304" pitchFamily="18" charset="0"/>
                             </a:rPr>
-                            <a:t>-0.62/-2.72</a:t>
+                            <a:t>-0.39/-0.46</a:t>
                           </a:r>
                           <a:r>
                             <a:rPr lang="en-US" sz="1800" dirty="0">
@@ -26545,7 +26543,7 @@
                               <a:ea typeface="+mn-ea"/>
                               <a:cs typeface="Times New Roman" panose="02020603050405020304" pitchFamily="18" charset="0"/>
                             </a:rPr>
-                            <a:t>0.01/-0.24</a:t>
+                            <a:t>0.04/0.28</a:t>
                           </a:r>
                           <a:r>
                             <a:rPr lang="en-US" sz="1800" dirty="0">
@@ -26648,7 +26646,7 @@
                               <a:ea typeface="+mn-ea"/>
                               <a:cs typeface="Times New Roman" panose="02020603050405020304" pitchFamily="18" charset="0"/>
                             </a:rPr>
-                            <a:t>-535120.40/-9792870.3</a:t>
+                            <a:t>-0.25/0.38</a:t>
                           </a:r>
                           <a:r>
                             <a:rPr lang="en-US" sz="1800" dirty="0">
@@ -26706,7 +26704,7 @@
                               <a:ea typeface="+mn-ea"/>
                               <a:cs typeface="Times New Roman" panose="02020603050405020304" pitchFamily="18" charset="0"/>
                             </a:rPr>
-                            <a:t>0.09/0.01</a:t>
+                            <a:t>0.70/0.73</a:t>
                           </a:r>
                           <a:r>
                             <a:rPr lang="en-US" sz="1800" dirty="0">
@@ -26788,7 +26786,7 @@
                               <a:ea typeface="+mn-ea"/>
                               <a:cs typeface="Times New Roman" panose="02020603050405020304" pitchFamily="18" charset="0"/>
                             </a:rPr>
-                            <a:t>-29394.99/-2430328.2</a:t>
+                            <a:t>-1.94/-0.90</a:t>
                           </a:r>
                           <a:r>
                             <a:rPr lang="en-US" sz="1800" b="0" i="0" kern="1200" dirty="0">
@@ -26841,7 +26839,7 @@
                               <a:ea typeface="+mn-ea"/>
                               <a:cs typeface="Times New Roman" panose="02020603050405020304" pitchFamily="18" charset="0"/>
                             </a:rPr>
-                            <a:t>-0.05/-0.12</a:t>
+                            <a:t>0.19/0.26</a:t>
                           </a:r>
                           <a:r>
                             <a:rPr lang="en-US" sz="1800" b="0" i="0" kern="1200" dirty="0">
@@ -26905,7 +26903,7 @@
               <p:nvPr>
                 <p:extLst>
                   <p:ext uri="{D42A27DB-BD31-4B8C-83A1-F6EECF244321}">
-                    <p14:modId xmlns:p14="http://schemas.microsoft.com/office/powerpoint/2010/main" val="804444905"/>
+                    <p14:modId xmlns:p14="http://schemas.microsoft.com/office/powerpoint/2010/main" val="678521919"/>
                   </p:ext>
                 </p:extLst>
               </p:nvPr>
@@ -27032,7 +27030,7 @@
                               <a:ea typeface="+mn-ea"/>
                               <a:cs typeface="Times New Roman" panose="02020603050405020304" pitchFamily="18" charset="0"/>
                             </a:rPr>
-                            <a:t>-1.81/-1.15</a:t>
+                            <a:t>0.86/0.25</a:t>
                           </a:r>
                           <a:r>
                             <a:rPr lang="en-US" sz="1800" dirty="0">
@@ -27090,7 +27088,7 @@
                               <a:ea typeface="+mn-ea"/>
                               <a:cs typeface="Times New Roman" panose="02020603050405020304" pitchFamily="18" charset="0"/>
                             </a:rPr>
-                            <a:t>-0.35/-0.13</a:t>
+                            <a:t>0.93/0.53</a:t>
                           </a:r>
                           <a:r>
                             <a:rPr lang="en-US" sz="1800" dirty="0">
@@ -27172,7 +27170,7 @@
                               <a:ea typeface="+mn-ea"/>
                               <a:cs typeface="Times New Roman" panose="02020603050405020304" pitchFamily="18" charset="0"/>
                             </a:rPr>
-                            <a:t>-13.09/-3302.4</a:t>
+                            <a:t>-6.34/0.49</a:t>
                           </a:r>
                           <a:r>
                             <a:rPr lang="en-US" sz="1800" dirty="0">
@@ -27230,7 +27228,7 @@
                               <a:ea typeface="+mn-ea"/>
                               <a:cs typeface="Times New Roman" panose="02020603050405020304" pitchFamily="18" charset="0"/>
                             </a:rPr>
-                            <a:t>0.01/0.56</a:t>
+                            <a:t>0.96/0.72</a:t>
                           </a:r>
                           <a:r>
                             <a:rPr lang="en-US" sz="1800" dirty="0">
@@ -27293,7 +27291,7 @@
                               <a:ea typeface="+mn-ea"/>
                               <a:cs typeface="Times New Roman" panose="02020603050405020304" pitchFamily="18" charset="0"/>
                             </a:rPr>
-                            <a:t>-0.62/-2.72</a:t>
+                            <a:t>-0.39/-0.46</a:t>
                           </a:r>
                           <a:r>
                             <a:rPr lang="en-US" sz="1800" dirty="0">
@@ -27351,7 +27349,7 @@
                               <a:ea typeface="+mn-ea"/>
                               <a:cs typeface="Times New Roman" panose="02020603050405020304" pitchFamily="18" charset="0"/>
                             </a:rPr>
-                            <a:t>0.01/-0.24</a:t>
+                            <a:t>0.04/0.28</a:t>
                           </a:r>
                           <a:r>
                             <a:rPr lang="en-US" sz="1800" dirty="0">
@@ -27454,7 +27452,7 @@
                               <a:ea typeface="+mn-ea"/>
                               <a:cs typeface="Times New Roman" panose="02020603050405020304" pitchFamily="18" charset="0"/>
                             </a:rPr>
-                            <a:t>-535120.40/-9792870.3</a:t>
+                            <a:t>-0.25/0.38</a:t>
                           </a:r>
                           <a:r>
                             <a:rPr lang="en-US" sz="1800" dirty="0">
@@ -27512,7 +27510,7 @@
                               <a:ea typeface="+mn-ea"/>
                               <a:cs typeface="Times New Roman" panose="02020603050405020304" pitchFamily="18" charset="0"/>
                             </a:rPr>
-                            <a:t>0.09/0.01</a:t>
+                            <a:t>0.70/0.73</a:t>
                           </a:r>
                           <a:r>
                             <a:rPr lang="en-US" sz="1800" dirty="0">
@@ -27594,7 +27592,7 @@
                               <a:ea typeface="+mn-ea"/>
                               <a:cs typeface="Times New Roman" panose="02020603050405020304" pitchFamily="18" charset="0"/>
                             </a:rPr>
-                            <a:t>-29394.99/-2430328.2</a:t>
+                            <a:t>-1.94/-0.90</a:t>
                           </a:r>
                           <a:r>
                             <a:rPr lang="en-US" sz="1800" b="0" i="0" kern="1200" dirty="0">
@@ -27647,7 +27645,7 @@
                               <a:ea typeface="+mn-ea"/>
                               <a:cs typeface="Times New Roman" panose="02020603050405020304" pitchFamily="18" charset="0"/>
                             </a:rPr>
-                            <a:t>-0.05/-0.12</a:t>
+                            <a:t>0.19/0.26</a:t>
                           </a:r>
                           <a:r>
                             <a:rPr lang="en-US" sz="1800" b="0" i="0" kern="1200" dirty="0">
@@ -28086,8 +28084,8 @@
           </a:p>
         </p:txBody>
       </p:sp>
-      <mc:AlternateContent xmlns:mc="http://schemas.openxmlformats.org/markup-compatibility/2006">
-        <mc:Choice xmlns:a14="http://schemas.microsoft.com/office/drawing/2010/main" Requires="a14">
+      <mc:AlternateContent xmlns:mc="http://schemas.openxmlformats.org/markup-compatibility/2006" xmlns:a14="http://schemas.microsoft.com/office/drawing/2010/main">
+        <mc:Choice Requires="a14">
           <p:sp>
             <p:nvSpPr>
               <p:cNvPr id="3" name="TextBox 2">
@@ -28142,7 +28140,7 @@
             </p:txBody>
           </p:sp>
         </mc:Choice>
-        <mc:Fallback>
+        <mc:Fallback xmlns="">
           <p:sp>
             <p:nvSpPr>
               <p:cNvPr id="3" name="TextBox 2">
@@ -28233,8 +28231,8 @@
           </a:p>
         </p:txBody>
       </p:sp>
-      <mc:AlternateContent xmlns:mc="http://schemas.openxmlformats.org/markup-compatibility/2006">
-        <mc:Choice xmlns:a14="http://schemas.microsoft.com/office/drawing/2010/main" Requires="a14">
+      <mc:AlternateContent xmlns:mc="http://schemas.openxmlformats.org/markup-compatibility/2006" xmlns:a14="http://schemas.microsoft.com/office/drawing/2010/main">
+        <mc:Choice Requires="a14">
           <p:sp>
             <p:nvSpPr>
               <p:cNvPr id="9" name="TextBox 8">
@@ -28290,7 +28288,7 @@
             </p:txBody>
           </p:sp>
         </mc:Choice>
-        <mc:Fallback>
+        <mc:Fallback xmlns="">
           <p:sp>
             <p:nvSpPr>
               <p:cNvPr id="9" name="TextBox 8">
@@ -28340,8 +28338,8 @@
           </p:sp>
         </mc:Fallback>
       </mc:AlternateContent>
-      <mc:AlternateContent xmlns:mc="http://schemas.openxmlformats.org/markup-compatibility/2006">
-        <mc:Choice xmlns:a14="http://schemas.microsoft.com/office/drawing/2010/main" Requires="a14">
+      <mc:AlternateContent xmlns:mc="http://schemas.openxmlformats.org/markup-compatibility/2006" xmlns:a14="http://schemas.microsoft.com/office/drawing/2010/main">
+        <mc:Choice Requires="a14">
           <p:sp>
             <p:nvSpPr>
               <p:cNvPr id="10" name="TextBox 9">
@@ -28397,7 +28395,7 @@
             </p:txBody>
           </p:sp>
         </mc:Choice>
-        <mc:Fallback>
+        <mc:Fallback xmlns="">
           <p:sp>
             <p:nvSpPr>
               <p:cNvPr id="10" name="TextBox 9">
@@ -28525,8 +28523,8 @@
           </a:p>
         </p:txBody>
       </p:sp>
-      <mc:AlternateContent xmlns:mc="http://schemas.openxmlformats.org/markup-compatibility/2006">
-        <mc:Choice xmlns:a14="http://schemas.microsoft.com/office/drawing/2010/main" Requires="a14">
+      <mc:AlternateContent xmlns:mc="http://schemas.openxmlformats.org/markup-compatibility/2006" xmlns:a14="http://schemas.microsoft.com/office/drawing/2010/main">
+        <mc:Choice Requires="a14">
           <p:sp>
             <p:nvSpPr>
               <p:cNvPr id="24" name="TextBox 23">
@@ -28582,7 +28580,7 @@
             </p:txBody>
           </p:sp>
         </mc:Choice>
-        <mc:Fallback>
+        <mc:Fallback xmlns="">
           <p:sp>
             <p:nvSpPr>
               <p:cNvPr id="24" name="TextBox 23">
@@ -28632,8 +28630,8 @@
           </p:sp>
         </mc:Fallback>
       </mc:AlternateContent>
-      <mc:AlternateContent xmlns:mc="http://schemas.openxmlformats.org/markup-compatibility/2006">
-        <mc:Choice xmlns:a14="http://schemas.microsoft.com/office/drawing/2010/main" Requires="a14">
+      <mc:AlternateContent xmlns:mc="http://schemas.openxmlformats.org/markup-compatibility/2006" xmlns:a14="http://schemas.microsoft.com/office/drawing/2010/main">
+        <mc:Choice Requires="a14">
           <p:sp>
             <p:nvSpPr>
               <p:cNvPr id="25" name="TextBox 24">
@@ -28688,7 +28686,7 @@
             </p:txBody>
           </p:sp>
         </mc:Choice>
-        <mc:Fallback>
+        <mc:Fallback xmlns="">
           <p:sp>
             <p:nvSpPr>
               <p:cNvPr id="25" name="TextBox 24">
@@ -28738,8 +28736,8 @@
           </p:sp>
         </mc:Fallback>
       </mc:AlternateContent>
-      <mc:AlternateContent xmlns:mc="http://schemas.openxmlformats.org/markup-compatibility/2006">
-        <mc:Choice xmlns:a14="http://schemas.microsoft.com/office/drawing/2010/main" Requires="a14">
+      <mc:AlternateContent xmlns:mc="http://schemas.openxmlformats.org/markup-compatibility/2006" xmlns:a14="http://schemas.microsoft.com/office/drawing/2010/main">
+        <mc:Choice Requires="a14">
           <p:sp>
             <p:nvSpPr>
               <p:cNvPr id="26" name="TextBox 25">
@@ -28794,7 +28792,7 @@
             </p:txBody>
           </p:sp>
         </mc:Choice>
-        <mc:Fallback>
+        <mc:Fallback xmlns="">
           <p:sp>
             <p:nvSpPr>
               <p:cNvPr id="26" name="TextBox 25">
@@ -29114,8 +29112,8 @@
           </a:fontRef>
         </p:style>
       </p:cxnSp>
-      <mc:AlternateContent xmlns:mc="http://schemas.openxmlformats.org/markup-compatibility/2006">
-        <mc:Choice xmlns:a14="http://schemas.microsoft.com/office/drawing/2010/main" Requires="a14">
+      <mc:AlternateContent xmlns:mc="http://schemas.openxmlformats.org/markup-compatibility/2006" xmlns:a14="http://schemas.microsoft.com/office/drawing/2010/main">
+        <mc:Choice Requires="a14">
           <p:sp>
             <p:nvSpPr>
               <p:cNvPr id="61" name="TextBox 60">
@@ -29170,7 +29168,7 @@
             </p:txBody>
           </p:sp>
         </mc:Choice>
-        <mc:Fallback>
+        <mc:Fallback xmlns="">
           <p:sp>
             <p:nvSpPr>
               <p:cNvPr id="61" name="TextBox 60">
@@ -29220,8 +29218,8 @@
           </p:sp>
         </mc:Fallback>
       </mc:AlternateContent>
-      <mc:AlternateContent xmlns:mc="http://schemas.openxmlformats.org/markup-compatibility/2006">
-        <mc:Choice xmlns:a14="http://schemas.microsoft.com/office/drawing/2010/main" Requires="a14">
+      <mc:AlternateContent xmlns:mc="http://schemas.openxmlformats.org/markup-compatibility/2006" xmlns:a14="http://schemas.microsoft.com/office/drawing/2010/main">
+        <mc:Choice Requires="a14">
           <p:sp>
             <p:nvSpPr>
               <p:cNvPr id="64" name="TextBox 63">
@@ -29277,7 +29275,7 @@
             </p:txBody>
           </p:sp>
         </mc:Choice>
-        <mc:Fallback>
+        <mc:Fallback xmlns="">
           <p:sp>
             <p:nvSpPr>
               <p:cNvPr id="64" name="TextBox 63">
@@ -29327,8 +29325,8 @@
           </p:sp>
         </mc:Fallback>
       </mc:AlternateContent>
-      <mc:AlternateContent xmlns:mc="http://schemas.openxmlformats.org/markup-compatibility/2006">
-        <mc:Choice xmlns:a14="http://schemas.microsoft.com/office/drawing/2010/main" Requires="a14">
+      <mc:AlternateContent xmlns:mc="http://schemas.openxmlformats.org/markup-compatibility/2006" xmlns:a14="http://schemas.microsoft.com/office/drawing/2010/main">
+        <mc:Choice Requires="a14">
           <p:sp>
             <p:nvSpPr>
               <p:cNvPr id="65" name="TextBox 64">
@@ -29384,7 +29382,7 @@
             </p:txBody>
           </p:sp>
         </mc:Choice>
-        <mc:Fallback>
+        <mc:Fallback xmlns="">
           <p:sp>
             <p:nvSpPr>
               <p:cNvPr id="65" name="TextBox 64">
@@ -29434,8 +29432,8 @@
           </p:sp>
         </mc:Fallback>
       </mc:AlternateContent>
-      <mc:AlternateContent xmlns:mc="http://schemas.openxmlformats.org/markup-compatibility/2006">
-        <mc:Choice xmlns:a14="http://schemas.microsoft.com/office/drawing/2010/main" Requires="a14">
+      <mc:AlternateContent xmlns:mc="http://schemas.openxmlformats.org/markup-compatibility/2006" xmlns:a14="http://schemas.microsoft.com/office/drawing/2010/main">
+        <mc:Choice Requires="a14">
           <p:sp>
             <p:nvSpPr>
               <p:cNvPr id="66" name="TextBox 65">
@@ -29490,7 +29488,7 @@
             </p:txBody>
           </p:sp>
         </mc:Choice>
-        <mc:Fallback>
+        <mc:Fallback xmlns="">
           <p:sp>
             <p:nvSpPr>
               <p:cNvPr id="66" name="TextBox 65">
@@ -29540,8 +29538,8 @@
           </p:sp>
         </mc:Fallback>
       </mc:AlternateContent>
-      <mc:AlternateContent xmlns:mc="http://schemas.openxmlformats.org/markup-compatibility/2006">
-        <mc:Choice xmlns:a14="http://schemas.microsoft.com/office/drawing/2010/main" Requires="a14">
+      <mc:AlternateContent xmlns:mc="http://schemas.openxmlformats.org/markup-compatibility/2006" xmlns:a14="http://schemas.microsoft.com/office/drawing/2010/main">
+        <mc:Choice Requires="a14">
           <p:sp>
             <p:nvSpPr>
               <p:cNvPr id="67" name="TextBox 66">
@@ -29596,7 +29594,7 @@
             </p:txBody>
           </p:sp>
         </mc:Choice>
-        <mc:Fallback>
+        <mc:Fallback xmlns="">
           <p:sp>
             <p:nvSpPr>
               <p:cNvPr id="67" name="TextBox 66">
@@ -30153,8 +30151,8 @@
           </a:fontRef>
         </p:style>
       </p:cxnSp>
-      <mc:AlternateContent xmlns:mc="http://schemas.openxmlformats.org/markup-compatibility/2006">
-        <mc:Choice xmlns:a14="http://schemas.microsoft.com/office/drawing/2010/main" Requires="a14">
+      <mc:AlternateContent xmlns:mc="http://schemas.openxmlformats.org/markup-compatibility/2006" xmlns:a14="http://schemas.microsoft.com/office/drawing/2010/main">
+        <mc:Choice Requires="a14">
           <p:sp>
             <p:nvSpPr>
               <p:cNvPr id="37" name="TextBox 36">
@@ -30210,7 +30208,7 @@
             </p:txBody>
           </p:sp>
         </mc:Choice>
-        <mc:Fallback>
+        <mc:Fallback xmlns="">
           <p:sp>
             <p:nvSpPr>
               <p:cNvPr id="37" name="TextBox 36">
@@ -30260,8 +30258,8 @@
           </p:sp>
         </mc:Fallback>
       </mc:AlternateContent>
-      <mc:AlternateContent xmlns:mc="http://schemas.openxmlformats.org/markup-compatibility/2006">
-        <mc:Choice xmlns:a14="http://schemas.microsoft.com/office/drawing/2010/main" Requires="a14">
+      <mc:AlternateContent xmlns:mc="http://schemas.openxmlformats.org/markup-compatibility/2006" xmlns:a14="http://schemas.microsoft.com/office/drawing/2010/main">
+        <mc:Choice Requires="a14">
           <p:sp>
             <p:nvSpPr>
               <p:cNvPr id="38" name="TextBox 37">
@@ -30317,7 +30315,7 @@
             </p:txBody>
           </p:sp>
         </mc:Choice>
-        <mc:Fallback>
+        <mc:Fallback xmlns="">
           <p:sp>
             <p:nvSpPr>
               <p:cNvPr id="38" name="TextBox 37">
@@ -30842,8 +30840,8 @@
           </a:p>
         </p:txBody>
       </p:sp>
-      <mc:AlternateContent xmlns:mc="http://schemas.openxmlformats.org/markup-compatibility/2006">
-        <mc:Choice xmlns:a14="http://schemas.microsoft.com/office/drawing/2010/main" Requires="a14">
+      <mc:AlternateContent xmlns:mc="http://schemas.openxmlformats.org/markup-compatibility/2006" xmlns:a14="http://schemas.microsoft.com/office/drawing/2010/main">
+        <mc:Choice Requires="a14">
           <p:graphicFrame>
             <p:nvGraphicFramePr>
               <p:cNvPr id="5" name="Table 4">
@@ -32032,7 +32030,7 @@
             </a:graphic>
           </p:graphicFrame>
         </mc:Choice>
-        <mc:Fallback>
+        <mc:Fallback xmlns="">
           <p:graphicFrame>
             <p:nvGraphicFramePr>
               <p:cNvPr id="5" name="Table 4">
